--- a/Happy language.pptx
+++ b/Happy language.pptx
@@ -3861,7 +3861,7 @@
           <a:p>
             <a:fld id="{C485584D-7D79-4248-9986-4CA35242F944}" type="datetimeFigureOut">
               <a:rPr lang="en-US" smtClean="0"/>
-              <a:t>12/4/2022</a:t>
+              <a:t>12/5/2022</a:t>
             </a:fld>
             <a:endParaRPr lang="en-US"/>
           </a:p>
@@ -4235,7 +4235,7 @@
           <a:p>
             <a:fld id="{C485584D-7D79-4248-9986-4CA35242F944}" type="datetimeFigureOut">
               <a:rPr lang="en-US" smtClean="0"/>
-              <a:t>12/4/2022</a:t>
+              <a:t>12/5/2022</a:t>
             </a:fld>
             <a:endParaRPr lang="en-US"/>
           </a:p>
@@ -4445,7 +4445,7 @@
           <a:p>
             <a:fld id="{C485584D-7D79-4248-9986-4CA35242F944}" type="datetimeFigureOut">
               <a:rPr lang="en-US" smtClean="0"/>
-              <a:t>12/4/2022</a:t>
+              <a:t>12/5/2022</a:t>
             </a:fld>
             <a:endParaRPr lang="en-US"/>
           </a:p>
@@ -4644,7 +4644,7 @@
           <a:p>
             <a:fld id="{C485584D-7D79-4248-9986-4CA35242F944}" type="datetimeFigureOut">
               <a:rPr lang="en-US" smtClean="0"/>
-              <a:t>12/4/2022</a:t>
+              <a:t>12/5/2022</a:t>
             </a:fld>
             <a:endParaRPr lang="en-US"/>
           </a:p>
@@ -4757,7 +4757,7 @@
           <a:p>
             <a:fld id="{C485584D-7D79-4248-9986-4CA35242F944}" type="datetimeFigureOut">
               <a:rPr lang="en-US" smtClean="0"/>
-              <a:t>12/4/2022</a:t>
+              <a:t>12/5/2022</a:t>
             </a:fld>
             <a:endParaRPr lang="en-US"/>
           </a:p>
@@ -5493,7 +5493,7 @@
           <a:p>
             <a:fld id="{C485584D-7D79-4248-9986-4CA35242F944}" type="datetimeFigureOut">
               <a:rPr lang="en-US" smtClean="0"/>
-              <a:t>12/4/2022</a:t>
+              <a:t>12/5/2022</a:t>
             </a:fld>
             <a:endParaRPr lang="en-US"/>
           </a:p>
@@ -5909,7 +5909,7 @@
           <a:p>
             <a:fld id="{C485584D-7D79-4248-9986-4CA35242F944}" type="datetimeFigureOut">
               <a:rPr lang="en-US" smtClean="0"/>
-              <a:t>12/4/2022</a:t>
+              <a:t>12/5/2022</a:t>
             </a:fld>
             <a:endParaRPr lang="en-US"/>
           </a:p>
@@ -6050,7 +6050,7 @@
           <a:p>
             <a:fld id="{C485584D-7D79-4248-9986-4CA35242F944}" type="datetimeFigureOut">
               <a:rPr lang="en-US" smtClean="0"/>
-              <a:t>12/4/2022</a:t>
+              <a:t>12/5/2022</a:t>
             </a:fld>
             <a:endParaRPr lang="en-US"/>
           </a:p>
@@ -6163,7 +6163,7 @@
           <a:p>
             <a:fld id="{C485584D-7D79-4248-9986-4CA35242F944}" type="datetimeFigureOut">
               <a:rPr lang="en-US" smtClean="0"/>
-              <a:t>12/4/2022</a:t>
+              <a:t>12/5/2022</a:t>
             </a:fld>
             <a:endParaRPr lang="en-US"/>
           </a:p>
@@ -6476,7 +6476,7 @@
           <a:p>
             <a:fld id="{C485584D-7D79-4248-9986-4CA35242F944}" type="datetimeFigureOut">
               <a:rPr lang="en-US" smtClean="0"/>
-              <a:t>12/4/2022</a:t>
+              <a:t>12/5/2022</a:t>
             </a:fld>
             <a:endParaRPr lang="en-US"/>
           </a:p>
@@ -6768,7 +6768,7 @@
           <a:p>
             <a:fld id="{C485584D-7D79-4248-9986-4CA35242F944}" type="datetimeFigureOut">
               <a:rPr lang="en-US" smtClean="0"/>
-              <a:t>12/4/2022</a:t>
+              <a:t>12/5/2022</a:t>
             </a:fld>
             <a:endParaRPr lang="en-US"/>
           </a:p>
@@ -7052,7 +7052,7 @@
           <a:p>
             <a:fld id="{C485584D-7D79-4248-9986-4CA35242F944}" type="datetimeFigureOut">
               <a:rPr lang="en-US" smtClean="0"/>
-              <a:t>12/4/2022</a:t>
+              <a:t>12/5/2022</a:t>
             </a:fld>
             <a:endParaRPr lang="en-US"/>
           </a:p>
@@ -8309,7 +8309,7 @@
             <a:pPr algn="ctr"/>
             <a:r>
               <a:rPr lang="en-US" dirty="0"/>
-              <a:t>Assignment with :=:</a:t>
+              <a:t>Swap with :=:</a:t>
             </a:r>
           </a:p>
         </p:txBody>
@@ -10460,7 +10460,7 @@
                         </a:spcAft>
                       </a:pPr>
                       <a:r>
-                        <a:rPr lang="en-US" sz="1400" cap="none" spc="0">
+                        <a:rPr lang="en-US" sz="1400" cap="none" spc="0" dirty="0">
                           <a:solidFill>
                             <a:schemeClr val="tx1"/>
                           </a:solidFill>
@@ -10482,7 +10482,7 @@
                         </a:spcAft>
                       </a:pPr>
                       <a:r>
-                        <a:rPr lang="en-US" sz="1400" cap="none" spc="0">
+                        <a:rPr lang="en-US" sz="1400" cap="none" spc="0" dirty="0">
                           <a:solidFill>
                             <a:schemeClr val="tx1"/>
                           </a:solidFill>
@@ -10490,7 +10490,7 @@
                         </a:rPr>
                         <a:t>||</a:t>
                       </a:r>
-                      <a:endParaRPr lang="en-US" sz="1400" cap="none" spc="0">
+                      <a:endParaRPr lang="en-US" sz="1400" cap="none" spc="0" dirty="0">
                         <a:solidFill>
                           <a:schemeClr val="tx1"/>
                         </a:solidFill>
@@ -12927,7 +12927,7 @@
         </p:blipFill>
         <p:spPr>
           <a:xfrm>
-            <a:off x="5819776" y="723899"/>
+            <a:off x="5819776" y="733230"/>
             <a:ext cx="5753956" cy="5768379"/>
           </a:xfrm>
           <a:prstGeom prst="rect">
@@ -13718,7 +13718,7 @@
         </p:blipFill>
         <p:spPr>
           <a:xfrm>
-            <a:off x="6250091" y="695325"/>
+            <a:off x="6250091" y="702945"/>
             <a:ext cx="5258256" cy="4770533"/>
           </a:xfrm>
           <a:prstGeom prst="rect">
@@ -15470,7 +15470,7 @@
         </p:blipFill>
         <p:spPr>
           <a:xfrm>
-            <a:off x="2607404" y="4592357"/>
+            <a:off x="2607404" y="4601688"/>
             <a:ext cx="2702428" cy="1951754"/>
           </a:xfrm>
           <a:prstGeom prst="rect">
@@ -17914,7 +17914,7 @@
         </p:nvSpPr>
         <p:spPr>
           <a:xfrm>
-            <a:off x="8016240" y="4068785"/>
+            <a:off x="8016240" y="4088663"/>
             <a:ext cx="3749040" cy="2504104"/>
           </a:xfrm>
           <a:prstGeom prst="cloudCallout">
